--- a/documents/participant_event_list2.pptx
+++ b/documents/participant_event_list2.pptx
@@ -105,6 +105,11 @@
       </a:defRPr>
     </a:lvl9pPr>
   </p:defaultTextStyle>
+  <p:extLst>
+    <p:ext uri="{EFAFB233-063F-42B5-8137-9DF3F51BA10A}">
+      <p15:sldGuideLst xmlns:p15="http://schemas.microsoft.com/office/powerpoint/2012/main"/>
+    </p:ext>
+  </p:extLst>
 </p:presentation>
 </file>
 
@@ -3652,7 +3657,7 @@
           <a:p>
             <a:pPr algn="ctr"/>
             <a:r>
-              <a:rPr lang="fr-FR" dirty="0" smtClean="0"/>
+              <a:rPr lang="fr-FR" dirty="0"/>
               <a:t>Merci de participer à l’expérience!</a:t>
             </a:r>
           </a:p>
@@ -3663,16 +3668,38 @@
           <a:p>
             <a:pPr algn="ctr"/>
             <a:r>
-              <a:rPr lang="fr-FR" sz="1400" dirty="0" smtClean="0"/>
-              <a:t>Vous trouverez ici la liste des événements à apprendre pour l’expérience.</a:t>
-            </a:r>
+              <a:rPr lang="fr-FR" sz="1400" dirty="0"/>
+              <a:t>Vous trouverez ici la liste des événements à apprendre pour l’expérience. Les mots entre parenthèses sont ceux qui apparaîtront durant l’expérience..</a:t>
+            </a:r>
+          </a:p>
+          <a:p>
+            <a:pPr algn="ctr"/>
             <a:endParaRPr lang="fr-FR" sz="1400" dirty="0"/>
           </a:p>
           <a:p>
             <a:pPr algn="ctr"/>
-            <a:r>
-              <a:rPr lang="fr-FR" sz="1400" dirty="0" smtClean="0"/>
+            <a:endParaRPr lang="fr-FR" sz="1400" dirty="0"/>
+          </a:p>
+          <a:p>
+            <a:pPr algn="ctr"/>
+            <a:r>
+              <a:rPr lang="fr-FR" sz="1400" dirty="0"/>
               <a:t>Certains de ces événements sont réels, d’autres sont fictifs. </a:t>
+            </a:r>
+          </a:p>
+          <a:p>
+            <a:pPr algn="ctr"/>
+            <a:endParaRPr lang="fr-FR" sz="1400" dirty="0"/>
+          </a:p>
+          <a:p>
+            <a:pPr algn="ctr"/>
+            <a:endParaRPr lang="fr-FR" sz="1400" dirty="0"/>
+          </a:p>
+          <a:p>
+            <a:pPr algn="ctr"/>
+            <a:r>
+              <a:rPr lang="fr-FR" sz="1400" dirty="0"/>
+              <a:t>Vous serez testés sur les dates uniquement. Bon courage!</a:t>
             </a:r>
             <a:endParaRPr lang="fr-FR" sz="1400" dirty="0"/>
           </a:p>

--- a/documents/participant_event_list2.pptx
+++ b/documents/participant_event_list2.pptx
@@ -244,7 +244,7 @@
           <a:p>
             <a:fld id="{A62A8606-FB1B-49D2-B13D-773DCF8EB9AE}" type="datetimeFigureOut">
               <a:rPr lang="fr-FR" smtClean="0"/>
-              <a:t>17/04/2019</a:t>
+              <a:t>24/04/2019</a:t>
             </a:fld>
             <a:endParaRPr lang="fr-FR"/>
           </a:p>
@@ -414,7 +414,7 @@
           <a:p>
             <a:fld id="{A62A8606-FB1B-49D2-B13D-773DCF8EB9AE}" type="datetimeFigureOut">
               <a:rPr lang="fr-FR" smtClean="0"/>
-              <a:t>17/04/2019</a:t>
+              <a:t>24/04/2019</a:t>
             </a:fld>
             <a:endParaRPr lang="fr-FR"/>
           </a:p>
@@ -594,7 +594,7 @@
           <a:p>
             <a:fld id="{A62A8606-FB1B-49D2-B13D-773DCF8EB9AE}" type="datetimeFigureOut">
               <a:rPr lang="fr-FR" smtClean="0"/>
-              <a:t>17/04/2019</a:t>
+              <a:t>24/04/2019</a:t>
             </a:fld>
             <a:endParaRPr lang="fr-FR"/>
           </a:p>
@@ -764,7 +764,7 @@
           <a:p>
             <a:fld id="{A62A8606-FB1B-49D2-B13D-773DCF8EB9AE}" type="datetimeFigureOut">
               <a:rPr lang="fr-FR" smtClean="0"/>
-              <a:t>17/04/2019</a:t>
+              <a:t>24/04/2019</a:t>
             </a:fld>
             <a:endParaRPr lang="fr-FR"/>
           </a:p>
@@ -1010,7 +1010,7 @@
           <a:p>
             <a:fld id="{A62A8606-FB1B-49D2-B13D-773DCF8EB9AE}" type="datetimeFigureOut">
               <a:rPr lang="fr-FR" smtClean="0"/>
-              <a:t>17/04/2019</a:t>
+              <a:t>24/04/2019</a:t>
             </a:fld>
             <a:endParaRPr lang="fr-FR"/>
           </a:p>
@@ -1242,7 +1242,7 @@
           <a:p>
             <a:fld id="{A62A8606-FB1B-49D2-B13D-773DCF8EB9AE}" type="datetimeFigureOut">
               <a:rPr lang="fr-FR" smtClean="0"/>
-              <a:t>17/04/2019</a:t>
+              <a:t>24/04/2019</a:t>
             </a:fld>
             <a:endParaRPr lang="fr-FR"/>
           </a:p>
@@ -1609,7 +1609,7 @@
           <a:p>
             <a:fld id="{A62A8606-FB1B-49D2-B13D-773DCF8EB9AE}" type="datetimeFigureOut">
               <a:rPr lang="fr-FR" smtClean="0"/>
-              <a:t>17/04/2019</a:t>
+              <a:t>24/04/2019</a:t>
             </a:fld>
             <a:endParaRPr lang="fr-FR"/>
           </a:p>
@@ -1727,7 +1727,7 @@
           <a:p>
             <a:fld id="{A62A8606-FB1B-49D2-B13D-773DCF8EB9AE}" type="datetimeFigureOut">
               <a:rPr lang="fr-FR" smtClean="0"/>
-              <a:t>17/04/2019</a:t>
+              <a:t>24/04/2019</a:t>
             </a:fld>
             <a:endParaRPr lang="fr-FR"/>
           </a:p>
@@ -1822,7 +1822,7 @@
           <a:p>
             <a:fld id="{A62A8606-FB1B-49D2-B13D-773DCF8EB9AE}" type="datetimeFigureOut">
               <a:rPr lang="fr-FR" smtClean="0"/>
-              <a:t>17/04/2019</a:t>
+              <a:t>24/04/2019</a:t>
             </a:fld>
             <a:endParaRPr lang="fr-FR"/>
           </a:p>
@@ -2099,7 +2099,7 @@
           <a:p>
             <a:fld id="{A62A8606-FB1B-49D2-B13D-773DCF8EB9AE}" type="datetimeFigureOut">
               <a:rPr lang="fr-FR" smtClean="0"/>
-              <a:t>17/04/2019</a:t>
+              <a:t>24/04/2019</a:t>
             </a:fld>
             <a:endParaRPr lang="fr-FR"/>
           </a:p>
@@ -2352,7 +2352,7 @@
           <a:p>
             <a:fld id="{A62A8606-FB1B-49D2-B13D-773DCF8EB9AE}" type="datetimeFigureOut">
               <a:rPr lang="fr-FR" smtClean="0"/>
-              <a:t>17/04/2019</a:t>
+              <a:t>24/04/2019</a:t>
             </a:fld>
             <a:endParaRPr lang="fr-FR"/>
           </a:p>
@@ -2565,7 +2565,7 @@
           <a:p>
             <a:fld id="{A62A8606-FB1B-49D2-B13D-773DCF8EB9AE}" type="datetimeFigureOut">
               <a:rPr lang="fr-FR" smtClean="0"/>
-              <a:t>17/04/2019</a:t>
+              <a:t>24/04/2019</a:t>
             </a:fld>
             <a:endParaRPr lang="fr-FR"/>
           </a:p>
@@ -3073,7 +3073,15 @@
             <a:pPr algn="ctr"/>
             <a:r>
               <a:rPr lang="fr-FR" sz="1400" dirty="0" smtClean="0"/>
-              <a:t>Été 2019</a:t>
+              <a:t>Fin</a:t>
+            </a:r>
+            <a:r>
+              <a:rPr lang="fr-FR" sz="1400" dirty="0" smtClean="0"/>
+              <a:t> </a:t>
+            </a:r>
+            <a:r>
+              <a:rPr lang="fr-FR" sz="1400" dirty="0" smtClean="0"/>
+              <a:t>2019</a:t>
             </a:r>
           </a:p>
           <a:p>
@@ -3202,8 +3210,16 @@
           <a:p>
             <a:pPr algn="ctr"/>
             <a:r>
-              <a:rPr lang="fr-FR" sz="1400" dirty="0" smtClean="0"/>
-              <a:t>Hiver 2019</a:t>
+              <a:rPr lang="fr-FR" sz="1400" dirty="0"/>
+              <a:t>D</a:t>
+            </a:r>
+            <a:r>
+              <a:rPr lang="fr-FR" sz="1400" dirty="0" smtClean="0"/>
+              <a:t>ébut </a:t>
+            </a:r>
+            <a:r>
+              <a:rPr lang="fr-FR" sz="1400" dirty="0" smtClean="0"/>
+              <a:t>2019</a:t>
             </a:r>
           </a:p>
           <a:p>
@@ -3669,7 +3685,7 @@
             <a:pPr algn="ctr"/>
             <a:r>
               <a:rPr lang="fr-FR" sz="1400" dirty="0"/>
-              <a:t>Vous trouverez ici la liste des événements à apprendre pour l’expérience. Les mots entre parenthèses sont ceux qui apparaîtront durant l’expérience..</a:t>
+              <a:t>Vous trouverez ici la liste des événements dont nous vous invitons à prendre connaissance pour l’expérience. Les mots entre guillemets sont ceux qui apparaîtront durant l’expérience.</a:t>
             </a:r>
           </a:p>
           <a:p>
@@ -3699,9 +3715,8 @@
             <a:pPr algn="ctr"/>
             <a:r>
               <a:rPr lang="fr-FR" sz="1400" dirty="0"/>
-              <a:t>Vous serez testés sur les dates uniquement. Bon courage!</a:t>
-            </a:r>
-            <a:endParaRPr lang="fr-FR" sz="1400" dirty="0"/>
+              <a:t>Votre connaissance de ces événements et de leurs dates est fondamentale pour le bon déroulement de l’expérience. Bon courage!</a:t>
+            </a:r>
           </a:p>
         </p:txBody>
       </p:sp>
@@ -3975,29 +3990,33 @@
           <a:p>
             <a:pPr algn="ctr"/>
             <a:r>
-              <a:rPr lang="fr-FR" sz="1400" dirty="0" smtClean="0"/>
-              <a:t>Hiver 2019</a:t>
-            </a:r>
-          </a:p>
-          <a:p>
-            <a:pPr algn="ctr"/>
-            <a:r>
-              <a:rPr lang="fr-FR" sz="1400" dirty="0" smtClean="0"/>
-              <a:t>« Netflix Friends »</a:t>
-            </a:r>
-          </a:p>
-          <a:p>
-            <a:pPr algn="ctr"/>
-            <a:r>
-              <a:rPr lang="fr-FR" sz="1400" dirty="0" smtClean="0"/>
-              <a:t>Fictif</a:t>
-            </a:r>
-          </a:p>
-          <a:p>
-            <a:pPr algn="ctr"/>
+              <a:rPr lang="fr-FR" sz="1400" dirty="0"/>
+              <a:t>2020</a:t>
+            </a:r>
+          </a:p>
+          <a:p>
+            <a:pPr algn="ctr"/>
+            <a:r>
+              <a:rPr lang="fr-FR" sz="1400" dirty="0"/>
+              <a:t>« viandes artificielles »</a:t>
+            </a:r>
+          </a:p>
+          <a:p>
+            <a:pPr algn="ctr"/>
+            <a:r>
+              <a:rPr lang="fr-FR" sz="1400" dirty="0"/>
+              <a:t>Réel</a:t>
+            </a:r>
+          </a:p>
+          <a:p>
+            <a:pPr algn="ctr"/>
+            <a:r>
+              <a:rPr lang="fr-FR" sz="1200" dirty="0"/>
+              <a:t>Commercialisation de viandes </a:t>
+            </a:r>
             <a:r>
               <a:rPr lang="fr-FR" sz="1200" dirty="0" smtClean="0"/>
-              <a:t>Netflix annonce une nouvelle saison de la série Friends</a:t>
+              <a:t>artificielles</a:t>
             </a:r>
             <a:endParaRPr lang="fr-FR" sz="1200" dirty="0"/>
           </a:p>
@@ -4767,7 +4786,15 @@
             <a:pPr algn="ctr"/>
             <a:r>
               <a:rPr lang="fr-FR" sz="1400" dirty="0" smtClean="0"/>
-              <a:t>« Paris Express »</a:t>
+              <a:t>«</a:t>
+            </a:r>
+            <a:r>
+              <a:rPr lang="fr-FR" sz="1400" smtClean="0"/>
+              <a:t> Grand Paris</a:t>
+            </a:r>
+            <a:r>
+              <a:rPr lang="fr-FR" sz="1400" dirty="0" smtClean="0"/>
+              <a:t> »</a:t>
             </a:r>
           </a:p>
           <a:p>
